--- a/Диплом/Презентация.pptx
+++ b/Диплом/Презентация.pptx
@@ -2111,9 +2111,9 @@
           <p:nvPr/>
         </p:nvCxnSpPr>
         <p:spPr bwMode="auto">
-          <a:xfrm rot="5399978" flipH="0" flipV="1">
-            <a:off x="1682990" y="2773829"/>
-            <a:ext cx="439941" cy="1215245"/>
+          <a:xfrm rot="5399976" flipH="0" flipV="1">
+            <a:off x="1886546" y="2977384"/>
+            <a:ext cx="439940" cy="808131"/>
           </a:xfrm>
           <a:prstGeom prst="curvedConnector2">
             <a:avLst/>
@@ -2198,7 +2198,7 @@
         </p:nvSpPr>
         <p:spPr bwMode="auto">
           <a:xfrm flipH="0" flipV="0">
-            <a:off x="4068894" y="3239890"/>
+            <a:off x="4068894" y="3239889"/>
             <a:ext cx="723757" cy="604872"/>
           </a:xfrm>
           <a:prstGeom prst="ellipse">
@@ -2238,6 +2238,206 @@
           </a:p>
         </p:txBody>
       </p:sp>
+      <p:pic>
+        <p:nvPicPr>
+          <p:cNvPr id="1302628065" name=""/>
+          <p:cNvPicPr>
+            <a:picLocks noChangeAspect="1"/>
+          </p:cNvPicPr>
+          <p:nvPr/>
+        </p:nvPicPr>
+        <p:blipFill>
+          <a:blip r:embed="rId6"/>
+          <a:stretch/>
+        </p:blipFill>
+        <p:spPr bwMode="auto">
+          <a:xfrm flipH="0" flipV="0">
+            <a:off x="97601" y="4165970"/>
+            <a:ext cx="1441075" cy="977529"/>
+          </a:xfrm>
+          <a:prstGeom prst="rect">
+            <a:avLst/>
+          </a:prstGeom>
+        </p:spPr>
+      </p:pic>
+      <p:pic>
+        <p:nvPicPr>
+          <p:cNvPr id="1321651232" name=""/>
+          <p:cNvPicPr>
+            <a:picLocks noChangeAspect="1"/>
+          </p:cNvPicPr>
+          <p:nvPr/>
+        </p:nvPicPr>
+        <p:blipFill>
+          <a:blip r:embed="rId7"/>
+          <a:stretch/>
+        </p:blipFill>
+        <p:spPr bwMode="auto">
+          <a:xfrm flipH="0" flipV="0">
+            <a:off x="1879190" y="4362448"/>
+            <a:ext cx="740964" cy="540492"/>
+          </a:xfrm>
+          <a:prstGeom prst="rect">
+            <a:avLst/>
+          </a:prstGeom>
+        </p:spPr>
+      </p:pic>
+      <p:pic>
+        <p:nvPicPr>
+          <p:cNvPr id="67035393" name=""/>
+          <p:cNvPicPr>
+            <a:picLocks noChangeAspect="1"/>
+          </p:cNvPicPr>
+          <p:nvPr/>
+        </p:nvPicPr>
+        <p:blipFill>
+          <a:blip r:embed="rId8"/>
+          <a:stretch/>
+        </p:blipFill>
+        <p:spPr bwMode="auto">
+          <a:xfrm flipH="0" flipV="0">
+            <a:off x="2993502" y="4209390"/>
+            <a:ext cx="769666" cy="769666"/>
+          </a:xfrm>
+          <a:prstGeom prst="rect">
+            <a:avLst/>
+          </a:prstGeom>
+        </p:spPr>
+      </p:pic>
+      <p:cxnSp>
+        <p:nvCxnSpPr>
+          <p:cNvPr id="1512356291" name=""/>
+          <p:cNvCxnSpPr>
+            <a:cxnSpLocks/>
+          </p:cNvCxnSpPr>
+          <p:nvPr/>
+        </p:nvCxnSpPr>
+        <p:spPr bwMode="auto">
+          <a:xfrm rot="5399942" flipH="0" flipV="0">
+            <a:off x="492896" y="3458061"/>
+            <a:ext cx="1033147" cy="382667"/>
+          </a:xfrm>
+          <a:prstGeom prst="curvedConnector2">
+            <a:avLst/>
+          </a:prstGeom>
+          <a:ln w="19049" cap="flat" cmpd="sng" algn="ctr">
+            <a:solidFill>
+              <a:schemeClr val="tx1">
+                <a:lumMod val="65098"/>
+                <a:lumOff val="34902"/>
+              </a:schemeClr>
+            </a:solidFill>
+            <a:prstDash val="sysDash"/>
+            <a:tailEnd type="arrow" len="med"/>
+          </a:ln>
+        </p:spPr>
+        <p:style>
+          <a:lnRef idx="1">
+            <a:schemeClr val="accent1">
+              <a:shade val="50000"/>
+            </a:schemeClr>
+          </a:lnRef>
+          <a:fillRef idx="0">
+            <a:schemeClr val="accent1"/>
+          </a:fillRef>
+          <a:effectRef idx="0">
+            <a:schemeClr val="accent1"/>
+          </a:effectRef>
+          <a:fontRef idx="minor">
+            <a:schemeClr val="tx1"/>
+          </a:fontRef>
+        </p:style>
+      </p:cxnSp>
+      <p:cxnSp>
+        <p:nvCxnSpPr>
+          <p:cNvPr id="1292475982" name=""/>
+          <p:cNvCxnSpPr>
+            <a:cxnSpLocks/>
+          </p:cNvCxnSpPr>
+          <p:nvPr/>
+        </p:nvCxnSpPr>
+        <p:spPr bwMode="auto">
+          <a:xfrm rot="5399942" flipH="0" flipV="1">
+            <a:off x="994259" y="3380926"/>
+            <a:ext cx="1115043" cy="618829"/>
+          </a:xfrm>
+          <a:prstGeom prst="curvedConnector2">
+            <a:avLst/>
+          </a:prstGeom>
+          <a:ln w="19049" cap="flat" cmpd="sng" algn="ctr">
+            <a:solidFill>
+              <a:schemeClr val="tx1">
+                <a:lumMod val="65098"/>
+                <a:lumOff val="34902"/>
+              </a:schemeClr>
+            </a:solidFill>
+            <a:prstDash val="sysDash"/>
+            <a:tailEnd type="arrow" len="med"/>
+          </a:ln>
+        </p:spPr>
+        <p:style>
+          <a:lnRef idx="1">
+            <a:schemeClr val="accent1">
+              <a:shade val="50000"/>
+            </a:schemeClr>
+          </a:lnRef>
+          <a:fillRef idx="0">
+            <a:schemeClr val="accent1"/>
+          </a:fillRef>
+          <a:effectRef idx="0">
+            <a:schemeClr val="accent1"/>
+          </a:effectRef>
+          <a:fontRef idx="minor">
+            <a:schemeClr val="tx1"/>
+          </a:fontRef>
+        </p:style>
+      </p:cxnSp>
+      <p:cxnSp>
+        <p:nvCxnSpPr>
+          <p:cNvPr id="796679621" name=""/>
+          <p:cNvCxnSpPr>
+            <a:cxnSpLocks/>
+          </p:cNvCxnSpPr>
+          <p:nvPr/>
+        </p:nvCxnSpPr>
+        <p:spPr bwMode="auto">
+          <a:xfrm rot="0" flipH="0" flipV="0">
+            <a:off x="1238899" y="3136899"/>
+            <a:ext cx="1818282" cy="1225548"/>
+          </a:xfrm>
+          <a:prstGeom prst="curvedConnector3">
+            <a:avLst>
+              <a:gd name="adj1" fmla="val 14318"/>
+            </a:avLst>
+          </a:prstGeom>
+          <a:ln w="19049" cap="flat" cmpd="sng" algn="ctr">
+            <a:solidFill>
+              <a:schemeClr val="tx1">
+                <a:lumMod val="65098"/>
+                <a:lumOff val="34902"/>
+              </a:schemeClr>
+            </a:solidFill>
+            <a:prstDash val="sysDash"/>
+            <a:tailEnd type="arrow" len="med"/>
+          </a:ln>
+        </p:spPr>
+        <p:style>
+          <a:lnRef idx="1">
+            <a:schemeClr val="accent1">
+              <a:shade val="50000"/>
+            </a:schemeClr>
+          </a:lnRef>
+          <a:fillRef idx="0">
+            <a:schemeClr val="accent1"/>
+          </a:fillRef>
+          <a:effectRef idx="0">
+            <a:schemeClr val="accent1"/>
+          </a:effectRef>
+          <a:fontRef idx="minor">
+            <a:schemeClr val="tx1"/>
+          </a:fontRef>
+        </p:style>
+      </p:cxnSp>
     </p:spTree>
   </p:cSld>
   <p:clrMapOvr>
@@ -2615,7 +2815,7 @@
         <p:spPr bwMode="auto">
           <a:xfrm>
             <a:off x="900111" y="271461"/>
-            <a:ext cx="7786881" cy="518519"/>
+            <a:ext cx="7786880" cy="518519"/>
           </a:xfrm>
           <a:prstGeom prst="rect">
             <a:avLst/>
@@ -2654,8 +2854,8 @@
         </p:nvSpPr>
         <p:spPr bwMode="auto">
           <a:xfrm flipH="0" flipV="0">
-            <a:off x="278813" y="1481847"/>
-            <a:ext cx="8797861" cy="2474063"/>
+            <a:off x="278812" y="1481846"/>
+            <a:ext cx="8800020" cy="2473812"/>
           </a:xfrm>
           <a:prstGeom prst="rect">
             <a:avLst/>
@@ -2705,7 +2905,7 @@
                 <a:latin typeface="Century Gothic"/>
                 <a:cs typeface="Century Gothic"/>
               </a:rPr>
-              <a:t>Проанализировать регламенты оформления задач в системе управления проектами и регламенты оформления сообщений к изменениям в системах контроля версий;</a:t>
+              <a:t>Проанализировать регламенты оформления задач в системе управления проектами и регламенты оформления сообщений к изменениям в системах контроля версий.</a:t>
             </a:r>
             <a:endParaRPr sz="1800">
               <a:latin typeface="Century Gothic"/>
@@ -2729,7 +2929,7 @@
                 <a:latin typeface="Century Gothic"/>
                 <a:cs typeface="Century Gothic"/>
               </a:rPr>
-              <a:t>Изучить особенности систем контроля версий и управления проектами;</a:t>
+              <a:t>Изучить особенности систем контроля версий и управления проектами.</a:t>
             </a:r>
             <a:endParaRPr sz="1800">
               <a:latin typeface="Century Gothic"/>
@@ -2891,9 +3091,57 @@
           </a:p>
         </p:txBody>
       </p:sp>
+      <p:sp>
+        <p:nvSpPr>
+          <p:cNvPr id="157191776" name=""/>
+          <p:cNvSpPr txBox="1"/>
+          <p:nvPr/>
+        </p:nvSpPr>
+        <p:spPr bwMode="auto">
+          <a:xfrm flipH="0" flipV="0">
+            <a:off x="14616" y="2046014"/>
+            <a:ext cx="3921430" cy="1585319"/>
+          </a:xfrm>
+          <a:prstGeom prst="rect">
+            <a:avLst/>
+          </a:prstGeom>
+          <a:noFill/>
+        </p:spPr>
+        <p:txBody>
+          <a:bodyPr vertOverflow="overflow" horzOverflow="overflow" vert="horz" wrap="square" lIns="91440" tIns="45720" rIns="91440" bIns="45720" numCol="1" spcCol="0" rtlCol="0" fromWordArt="0" anchor="t" anchorCtr="0" forceAA="0" upright="0" compatLnSpc="0">
+            <a:spAutoFit/>
+          </a:bodyPr>
+          <a:p>
+            <a:pPr algn="l">
+              <a:defRPr/>
+            </a:pPr>
+            <a:r>
+              <a:rPr sz="1400"/>
+              <a:t>[#] (TXPG-2154) Order,Token. Исправлена ошибка оплаты с помощью карты &lt;4.0.23&gt; (QAD)</a:t>
+            </a:r>
+            <a:endParaRPr sz="1400"/>
+          </a:p>
+          <a:p>
+            <a:pPr algn="l">
+              <a:defRPr/>
+            </a:pPr>
+            <a:endParaRPr sz="1400"/>
+          </a:p>
+          <a:p>
+            <a:pPr algn="l">
+              <a:defRPr/>
+            </a:pPr>
+            <a:r>
+              <a:rPr sz="1400"/>
+              <a:t>Была изменена логика работы метода execute класса Order.Payment. Добавлено вспомогательное поле tempSurcharge в классе Token.</a:t>
+            </a:r>
+            <a:endParaRPr sz="1400"/>
+          </a:p>
+        </p:txBody>
+      </p:sp>
       <p:pic>
         <p:nvPicPr>
-          <p:cNvPr id="2021163016" name=""/>
+          <p:cNvPr id="684800547" name=""/>
           <p:cNvPicPr>
             <a:picLocks noChangeAspect="1"/>
           </p:cNvPicPr>
@@ -2901,66 +3149,19 @@
         </p:nvPicPr>
         <p:blipFill>
           <a:blip r:embed="rId3"/>
+          <a:srcRect l="0" t="0" r="0" b="0"/>
           <a:stretch/>
         </p:blipFill>
         <p:spPr bwMode="auto">
           <a:xfrm flipH="0" flipV="0">
-            <a:off x="3934607" y="1066557"/>
-            <a:ext cx="4752192" cy="3987885"/>
+            <a:off x="3936045" y="980759"/>
+            <a:ext cx="4745806" cy="7226928"/>
           </a:xfrm>
           <a:prstGeom prst="rect">
             <a:avLst/>
           </a:prstGeom>
         </p:spPr>
       </p:pic>
-      <p:sp>
-        <p:nvSpPr>
-          <p:cNvPr id="157191776" name=""/>
-          <p:cNvSpPr txBox="1"/>
-          <p:nvPr/>
-        </p:nvSpPr>
-        <p:spPr bwMode="auto">
-          <a:xfrm flipH="0" flipV="0">
-            <a:off x="14616" y="2046014"/>
-            <a:ext cx="3921430" cy="1585319"/>
-          </a:xfrm>
-          <a:prstGeom prst="rect">
-            <a:avLst/>
-          </a:prstGeom>
-          <a:noFill/>
-        </p:spPr>
-        <p:txBody>
-          <a:bodyPr vertOverflow="overflow" horzOverflow="overflow" vert="horz" wrap="square" lIns="91440" tIns="45720" rIns="91440" bIns="45720" numCol="1" spcCol="0" rtlCol="0" fromWordArt="0" anchor="t" anchorCtr="0" forceAA="0" upright="0" compatLnSpc="0">
-            <a:spAutoFit/>
-          </a:bodyPr>
-          <a:p>
-            <a:pPr algn="l">
-              <a:defRPr/>
-            </a:pPr>
-            <a:r>
-              <a:rPr sz="1400"/>
-              <a:t>[#] (TXPG-2154) Order,Token. Исправлена ошибка оплаты с помощью карты &lt;4.0.23&gt; (QAD)</a:t>
-            </a:r>
-            <a:endParaRPr sz="1400"/>
-          </a:p>
-          <a:p>
-            <a:pPr algn="l">
-              <a:defRPr/>
-            </a:pPr>
-            <a:endParaRPr sz="1400"/>
-          </a:p>
-          <a:p>
-            <a:pPr algn="l">
-              <a:defRPr/>
-            </a:pPr>
-            <a:r>
-              <a:rPr sz="1400"/>
-              <a:t>Была изменена логика работы метода execute класса Order.Payment. Добавлено вспомогательное поле tempSurcharge в классе Token.</a:t>
-            </a:r>
-            <a:endParaRPr sz="1400"/>
-          </a:p>
-        </p:txBody>
-      </p:sp>
     </p:spTree>
   </p:cSld>
   <p:clrMapOvr>
@@ -3092,7 +3293,7 @@
       </p:sp>
       <p:pic>
         <p:nvPicPr>
-          <p:cNvPr id="1210079810" name=""/>
+          <p:cNvPr id="484105379" name=""/>
           <p:cNvPicPr>
             <a:picLocks noChangeAspect="1"/>
           </p:cNvPicPr>
@@ -3104,8 +3305,8 @@
         </p:blipFill>
         <p:spPr bwMode="auto">
           <a:xfrm flipH="0" flipV="0">
-            <a:off x="664837" y="997007"/>
-            <a:ext cx="7696862" cy="4015754"/>
+            <a:off x="642680" y="998534"/>
+            <a:ext cx="7858638" cy="4094164"/>
           </a:xfrm>
           <a:prstGeom prst="rect">
             <a:avLst/>
@@ -3241,44 +3442,72 @@
           </a:p>
         </p:txBody>
       </p:sp>
-      <p:sp>
-        <p:nvSpPr>
-          <p:cNvPr id="782604231" name="Прямоугольник 3"/>
-          <p:cNvSpPr/>
+      <p:pic>
+        <p:nvPicPr>
+          <p:cNvPr id="1337451216" name=""/>
+          <p:cNvPicPr>
+            <a:picLocks noChangeAspect="1"/>
+          </p:cNvPicPr>
           <p:nvPr/>
-        </p:nvSpPr>
+        </p:nvPicPr>
+        <p:blipFill>
+          <a:blip r:embed="rId3"/>
+          <a:stretch/>
+        </p:blipFill>
         <p:spPr bwMode="auto">
           <a:xfrm flipH="0" flipV="0">
-            <a:off x="457200" y="1078812"/>
-            <a:ext cx="8371588" cy="366119"/>
-          </a:xfrm>
-          <a:prstGeom prst="rect">
-            <a:avLst/>
-          </a:prstGeom>
-        </p:spPr>
-        <p:txBody>
-          <a:bodyPr wrap="square">
-            <a:spAutoFit/>
-          </a:bodyPr>
-          <a:lstStyle/>
-          <a:p>
-            <a:pPr>
-              <a:defRPr/>
-            </a:pPr>
-            <a:r>
-              <a:rPr>
-                <a:latin typeface="Century Gothic"/>
-                <a:cs typeface="Century Gothic"/>
-              </a:rPr>
-              <a:t>Текст</a:t>
-            </a:r>
-            <a:endParaRPr>
-              <a:latin typeface="Century Gothic"/>
-              <a:cs typeface="Century Gothic"/>
-            </a:endParaRPr>
-          </a:p>
-        </p:txBody>
-      </p:sp>
+            <a:off x="310474" y="998167"/>
+            <a:ext cx="3362028" cy="2070038"/>
+          </a:xfrm>
+          <a:prstGeom prst="rect">
+            <a:avLst/>
+          </a:prstGeom>
+        </p:spPr>
+      </p:pic>
+      <p:pic>
+        <p:nvPicPr>
+          <p:cNvPr id="1441222259" name=""/>
+          <p:cNvPicPr>
+            <a:picLocks noChangeAspect="1"/>
+          </p:cNvPicPr>
+          <p:nvPr/>
+        </p:nvPicPr>
+        <p:blipFill>
+          <a:blip r:embed="rId4"/>
+          <a:stretch/>
+        </p:blipFill>
+        <p:spPr bwMode="auto">
+          <a:xfrm flipH="0" flipV="0">
+            <a:off x="3896001" y="998165"/>
+            <a:ext cx="4922707" cy="2070037"/>
+          </a:xfrm>
+          <a:prstGeom prst="rect">
+            <a:avLst/>
+          </a:prstGeom>
+        </p:spPr>
+      </p:pic>
+      <p:pic>
+        <p:nvPicPr>
+          <p:cNvPr id="1820516851" name=""/>
+          <p:cNvPicPr>
+            <a:picLocks noChangeAspect="1"/>
+          </p:cNvPicPr>
+          <p:nvPr/>
+        </p:nvPicPr>
+        <p:blipFill>
+          <a:blip r:embed="rId5"/>
+          <a:stretch/>
+        </p:blipFill>
+        <p:spPr bwMode="auto">
+          <a:xfrm flipH="0" flipV="0">
+            <a:off x="1447799" y="3113075"/>
+            <a:ext cx="6591949" cy="1923629"/>
+          </a:xfrm>
+          <a:prstGeom prst="rect">
+            <a:avLst/>
+          </a:prstGeom>
+        </p:spPr>
+      </p:pic>
     </p:spTree>
   </p:cSld>
   <p:clrMapOvr>
@@ -3416,8 +3645,8 @@
         </p:nvSpPr>
         <p:spPr bwMode="auto">
           <a:xfrm flipH="0" flipV="0">
-            <a:off x="457200" y="1509279"/>
-            <a:ext cx="8564188" cy="2775815"/>
+            <a:off x="457200" y="1509278"/>
+            <a:ext cx="8567067" cy="2775564"/>
           </a:xfrm>
           <a:prstGeom prst="rect">
             <a:avLst/>
@@ -3445,7 +3674,7 @@
                 <a:latin typeface="Century Gothic"/>
                 <a:cs typeface="Century Gothic"/>
               </a:rPr>
-              <a:t>Выполнен анализ регламентов оформления задач в системе управления проектами и оформления сообщений к изменениям в системах контроля версий. Изучены способы взаимодействия с данными системами;</a:t>
+              <a:t>Выполнен анализ регламентов оформления задач в системе управления проектами и оформления сообщений к изменениям в системах контроля версий. Изучены способы взаимодействия с данными системами.</a:t>
             </a:r>
             <a:endParaRPr>
               <a:latin typeface="Century Gothic"/>
@@ -3469,7 +3698,7 @@
                 <a:latin typeface="Century Gothic"/>
                 <a:cs typeface="Century Gothic"/>
               </a:rPr>
-              <a:t>Спроектирован и реализован модуль системы CSIA для мониторинга описания работ по разработке ПО в системах контроля версий и управления проектами;</a:t>
+              <a:t>Спроектирован и реализован модуль системы CSIA для мониторинга описания работ по разработке ПО в системах контроля версий и управления проектами.</a:t>
             </a:r>
             <a:endParaRPr>
               <a:latin typeface="Century Gothic"/>
@@ -3504,7 +3733,7 @@
                 <a:ea typeface="Century Gothic"/>
                 <a:cs typeface="Century Gothic"/>
               </a:rPr>
-              <a:t>разработанного модуля;</a:t>
+              <a:t>разработанного модуля.</a:t>
             </a:r>
             <a:endParaRPr>
               <a:latin typeface="Century Gothic"/>
